--- a/MLNet with F# Interactive.pptx
+++ b/MLNet with F# Interactive.pptx
@@ -8,6 +8,7 @@
     <p:sldId id="256" r:id="rId2"/>
     <p:sldId id="260" r:id="rId3"/>
     <p:sldId id="259" r:id="rId4"/>
+    <p:sldId id="261" r:id="rId5"/>
   </p:sldIdLst>
   <p:sldSz cx="12192000" cy="6858000"/>
   <p:notesSz cx="6858000" cy="9144000"/>
@@ -106,6 +107,11 @@
       </a:defRPr>
     </a:lvl9pPr>
   </p:defaultTextStyle>
+  <p:extLst>
+    <p:ext uri="{EFAFB233-063F-42B5-8137-9DF3F51BA10A}">
+      <p15:sldGuideLst xmlns:p15="http://schemas.microsoft.com/office/powerpoint/2012/main"/>
+    </p:ext>
+  </p:extLst>
 </p:presentation>
 </file>
 
@@ -6902,7 +6908,7 @@
           <a:p>
             <a:fld id="{0F2C0E15-8C17-4EC4-9886-AB5369ABED37}" type="datetimeFigureOut">
               <a:rPr lang="en-US" smtClean="0"/>
-              <a:t>12/2/2020</a:t>
+              <a:t>12/18/2020</a:t>
             </a:fld>
             <a:endParaRPr lang="en-US"/>
           </a:p>
@@ -7100,7 +7106,7 @@
           <a:p>
             <a:fld id="{0F2C0E15-8C17-4EC4-9886-AB5369ABED37}" type="datetimeFigureOut">
               <a:rPr lang="en-US" smtClean="0"/>
-              <a:t>12/2/2020</a:t>
+              <a:t>12/18/2020</a:t>
             </a:fld>
             <a:endParaRPr lang="en-US"/>
           </a:p>
@@ -7308,7 +7314,7 @@
           <a:p>
             <a:fld id="{0F2C0E15-8C17-4EC4-9886-AB5369ABED37}" type="datetimeFigureOut">
               <a:rPr lang="en-US" smtClean="0"/>
-              <a:t>12/2/2020</a:t>
+              <a:t>12/18/2020</a:t>
             </a:fld>
             <a:endParaRPr lang="en-US"/>
           </a:p>
@@ -7506,7 +7512,7 @@
           <a:p>
             <a:fld id="{0F2C0E15-8C17-4EC4-9886-AB5369ABED37}" type="datetimeFigureOut">
               <a:rPr lang="en-US" smtClean="0"/>
-              <a:t>12/2/2020</a:t>
+              <a:t>12/18/2020</a:t>
             </a:fld>
             <a:endParaRPr lang="en-US"/>
           </a:p>
@@ -7781,7 +7787,7 @@
           <a:p>
             <a:fld id="{0F2C0E15-8C17-4EC4-9886-AB5369ABED37}" type="datetimeFigureOut">
               <a:rPr lang="en-US" smtClean="0"/>
-              <a:t>12/2/2020</a:t>
+              <a:t>12/18/2020</a:t>
             </a:fld>
             <a:endParaRPr lang="en-US"/>
           </a:p>
@@ -8046,7 +8052,7 @@
           <a:p>
             <a:fld id="{0F2C0E15-8C17-4EC4-9886-AB5369ABED37}" type="datetimeFigureOut">
               <a:rPr lang="en-US" smtClean="0"/>
-              <a:t>12/2/2020</a:t>
+              <a:t>12/18/2020</a:t>
             </a:fld>
             <a:endParaRPr lang="en-US"/>
           </a:p>
@@ -8458,7 +8464,7 @@
           <a:p>
             <a:fld id="{0F2C0E15-8C17-4EC4-9886-AB5369ABED37}" type="datetimeFigureOut">
               <a:rPr lang="en-US" smtClean="0"/>
-              <a:t>12/2/2020</a:t>
+              <a:t>12/18/2020</a:t>
             </a:fld>
             <a:endParaRPr lang="en-US"/>
           </a:p>
@@ -8599,7 +8605,7 @@
           <a:p>
             <a:fld id="{0F2C0E15-8C17-4EC4-9886-AB5369ABED37}" type="datetimeFigureOut">
               <a:rPr lang="en-US" smtClean="0"/>
-              <a:t>12/2/2020</a:t>
+              <a:t>12/18/2020</a:t>
             </a:fld>
             <a:endParaRPr lang="en-US"/>
           </a:p>
@@ -8712,7 +8718,7 @@
           <a:p>
             <a:fld id="{0F2C0E15-8C17-4EC4-9886-AB5369ABED37}" type="datetimeFigureOut">
               <a:rPr lang="en-US" smtClean="0"/>
-              <a:t>12/2/2020</a:t>
+              <a:t>12/18/2020</a:t>
             </a:fld>
             <a:endParaRPr lang="en-US"/>
           </a:p>
@@ -9023,7 +9029,7 @@
           <a:p>
             <a:fld id="{0F2C0E15-8C17-4EC4-9886-AB5369ABED37}" type="datetimeFigureOut">
               <a:rPr lang="en-US" smtClean="0"/>
-              <a:t>12/2/2020</a:t>
+              <a:t>12/18/2020</a:t>
             </a:fld>
             <a:endParaRPr lang="en-US"/>
           </a:p>
@@ -9311,7 +9317,7 @@
           <a:p>
             <a:fld id="{0F2C0E15-8C17-4EC4-9886-AB5369ABED37}" type="datetimeFigureOut">
               <a:rPr lang="en-US" smtClean="0"/>
-              <a:t>12/2/2020</a:t>
+              <a:t>12/18/2020</a:t>
             </a:fld>
             <a:endParaRPr lang="en-US"/>
           </a:p>
@@ -9552,7 +9558,7 @@
           <a:p>
             <a:fld id="{0F2C0E15-8C17-4EC4-9886-AB5369ABED37}" type="datetimeFigureOut">
               <a:rPr lang="en-US" smtClean="0"/>
-              <a:t>12/2/2020</a:t>
+              <a:t>12/18/2020</a:t>
             </a:fld>
             <a:endParaRPr lang="en-US"/>
           </a:p>
@@ -11532,6 +11538,153 @@
 </p:sld>
 </file>
 
+<file path=ppt/slides/slide4.xml><?xml version="1.0" encoding="utf-8"?>
+<p:sld xmlns:a="http://schemas.openxmlformats.org/drawingml/2006/main" xmlns:r="http://schemas.openxmlformats.org/officeDocument/2006/relationships" xmlns:p="http://schemas.openxmlformats.org/presentationml/2006/main">
+  <p:cSld>
+    <p:spTree>
+      <p:nvGrpSpPr>
+        <p:cNvPr id="1" name=""/>
+        <p:cNvGrpSpPr/>
+        <p:nvPr/>
+      </p:nvGrpSpPr>
+      <p:grpSpPr>
+        <a:xfrm>
+          <a:off x="0" y="0"/>
+          <a:ext cx="0" cy="0"/>
+          <a:chOff x="0" y="0"/>
+          <a:chExt cx="0" cy="0"/>
+        </a:xfrm>
+      </p:grpSpPr>
+      <p:sp>
+        <p:nvSpPr>
+          <p:cNvPr id="2" name="Title 1">
+            <a:extLst>
+              <a:ext uri="{FF2B5EF4-FFF2-40B4-BE49-F238E27FC236}">
+                <a16:creationId xmlns:a16="http://schemas.microsoft.com/office/drawing/2014/main" id="{09A292DF-3C81-4AFD-B0C0-5123F2DCB12A}"/>
+              </a:ext>
+            </a:extLst>
+          </p:cNvPr>
+          <p:cNvSpPr>
+            <a:spLocks noGrp="1"/>
+          </p:cNvSpPr>
+          <p:nvPr>
+            <p:ph type="title"/>
+          </p:nvPr>
+        </p:nvSpPr>
+        <p:spPr/>
+        <p:txBody>
+          <a:bodyPr/>
+          <a:lstStyle/>
+          <a:p>
+            <a:r>
+              <a:rPr lang="en-US" dirty="0"/>
+              <a:t>Recap</a:t>
+            </a:r>
+          </a:p>
+        </p:txBody>
+      </p:sp>
+      <p:sp>
+        <p:nvSpPr>
+          <p:cNvPr id="3" name="Content Placeholder 2">
+            <a:extLst>
+              <a:ext uri="{FF2B5EF4-FFF2-40B4-BE49-F238E27FC236}">
+                <a16:creationId xmlns:a16="http://schemas.microsoft.com/office/drawing/2014/main" id="{C2D7F75D-4535-4AA3-8F7C-681BFA0F5754}"/>
+              </a:ext>
+            </a:extLst>
+          </p:cNvPr>
+          <p:cNvSpPr>
+            <a:spLocks noGrp="1"/>
+          </p:cNvSpPr>
+          <p:nvPr>
+            <p:ph idx="1"/>
+          </p:nvPr>
+        </p:nvSpPr>
+        <p:spPr/>
+        <p:txBody>
+          <a:bodyPr/>
+          <a:lstStyle/>
+          <a:p>
+            <a:r>
+              <a:rPr lang="en-US" dirty="0" err="1"/>
+              <a:t>ML.Net</a:t>
+            </a:r>
+            <a:r>
+              <a:rPr lang="en-US" dirty="0"/>
+              <a:t> is a powerful new tool for machine learning</a:t>
+            </a:r>
+          </a:p>
+          <a:p>
+            <a:r>
+              <a:rPr lang="en-US" dirty="0"/>
+              <a:t>Use F# interactive to work with </a:t>
+            </a:r>
+            <a:r>
+              <a:rPr lang="en-US" dirty="0" err="1"/>
+              <a:t>ML.Net</a:t>
+            </a:r>
+            <a:r>
+              <a:rPr lang="en-US" dirty="0"/>
+              <a:t> in an interactive way:</a:t>
+            </a:r>
+          </a:p>
+          <a:p>
+            <a:pPr lvl="1"/>
+            <a:r>
+              <a:rPr lang="en-US" dirty="0"/>
+              <a:t>Explore and visualize your data </a:t>
+            </a:r>
+          </a:p>
+          <a:p>
+            <a:pPr lvl="1"/>
+            <a:r>
+              <a:rPr lang="en-US" dirty="0"/>
+              <a:t>Build and test models</a:t>
+            </a:r>
+          </a:p>
+          <a:p>
+            <a:pPr lvl="1"/>
+            <a:endParaRPr lang="en-US" dirty="0"/>
+          </a:p>
+          <a:p>
+            <a:r>
+              <a:rPr lang="en-US" dirty="0"/>
+              <a:t>Visual Studio 2019+ with F# 5.0 provides good tooling support for F# interactive scripts</a:t>
+            </a:r>
+          </a:p>
+          <a:p>
+            <a:endParaRPr lang="en-US" dirty="0"/>
+          </a:p>
+          <a:p>
+            <a:r>
+              <a:rPr lang="en-US" dirty="0"/>
+              <a:t>Sample code: </a:t>
+            </a:r>
+            <a:r>
+              <a:rPr lang="en-US" dirty="0">
+                <a:hlinkClick r:id="rId2"/>
+              </a:rPr>
+              <a:t>https://github.com/fwaris/MLNetInteractive</a:t>
+            </a:r>
+            <a:r>
+              <a:rPr lang="en-US" dirty="0"/>
+              <a:t> </a:t>
+            </a:r>
+          </a:p>
+        </p:txBody>
+      </p:sp>
+    </p:spTree>
+    <p:extLst>
+      <p:ext uri="{BB962C8B-B14F-4D97-AF65-F5344CB8AC3E}">
+        <p14:creationId xmlns:p14="http://schemas.microsoft.com/office/powerpoint/2010/main" val="3808302433"/>
+      </p:ext>
+    </p:extLst>
+  </p:cSld>
+  <p:clrMapOvr>
+    <a:masterClrMapping/>
+  </p:clrMapOvr>
+</p:sld>
+</file>
+
 <file path=ppt/theme/theme1.xml><?xml version="1.0" encoding="utf-8"?>
 <a:theme xmlns:a="http://schemas.openxmlformats.org/drawingml/2006/main" name="Office Theme">
   <a:themeElements>

--- a/MLNet with F# Interactive.pptx
+++ b/MLNet with F# Interactive.pptx
@@ -6908,7 +6908,7 @@
           <a:p>
             <a:fld id="{0F2C0E15-8C17-4EC4-9886-AB5369ABED37}" type="datetimeFigureOut">
               <a:rPr lang="en-US" smtClean="0"/>
-              <a:t>12/18/2020</a:t>
+              <a:t>12/23/2020</a:t>
             </a:fld>
             <a:endParaRPr lang="en-US"/>
           </a:p>
@@ -7106,7 +7106,7 @@
           <a:p>
             <a:fld id="{0F2C0E15-8C17-4EC4-9886-AB5369ABED37}" type="datetimeFigureOut">
               <a:rPr lang="en-US" smtClean="0"/>
-              <a:t>12/18/2020</a:t>
+              <a:t>12/23/2020</a:t>
             </a:fld>
             <a:endParaRPr lang="en-US"/>
           </a:p>
@@ -7314,7 +7314,7 @@
           <a:p>
             <a:fld id="{0F2C0E15-8C17-4EC4-9886-AB5369ABED37}" type="datetimeFigureOut">
               <a:rPr lang="en-US" smtClean="0"/>
-              <a:t>12/18/2020</a:t>
+              <a:t>12/23/2020</a:t>
             </a:fld>
             <a:endParaRPr lang="en-US"/>
           </a:p>
@@ -7512,7 +7512,7 @@
           <a:p>
             <a:fld id="{0F2C0E15-8C17-4EC4-9886-AB5369ABED37}" type="datetimeFigureOut">
               <a:rPr lang="en-US" smtClean="0"/>
-              <a:t>12/18/2020</a:t>
+              <a:t>12/23/2020</a:t>
             </a:fld>
             <a:endParaRPr lang="en-US"/>
           </a:p>
@@ -7787,7 +7787,7 @@
           <a:p>
             <a:fld id="{0F2C0E15-8C17-4EC4-9886-AB5369ABED37}" type="datetimeFigureOut">
               <a:rPr lang="en-US" smtClean="0"/>
-              <a:t>12/18/2020</a:t>
+              <a:t>12/23/2020</a:t>
             </a:fld>
             <a:endParaRPr lang="en-US"/>
           </a:p>
@@ -8052,7 +8052,7 @@
           <a:p>
             <a:fld id="{0F2C0E15-8C17-4EC4-9886-AB5369ABED37}" type="datetimeFigureOut">
               <a:rPr lang="en-US" smtClean="0"/>
-              <a:t>12/18/2020</a:t>
+              <a:t>12/23/2020</a:t>
             </a:fld>
             <a:endParaRPr lang="en-US"/>
           </a:p>
@@ -8464,7 +8464,7 @@
           <a:p>
             <a:fld id="{0F2C0E15-8C17-4EC4-9886-AB5369ABED37}" type="datetimeFigureOut">
               <a:rPr lang="en-US" smtClean="0"/>
-              <a:t>12/18/2020</a:t>
+              <a:t>12/23/2020</a:t>
             </a:fld>
             <a:endParaRPr lang="en-US"/>
           </a:p>
@@ -8605,7 +8605,7 @@
           <a:p>
             <a:fld id="{0F2C0E15-8C17-4EC4-9886-AB5369ABED37}" type="datetimeFigureOut">
               <a:rPr lang="en-US" smtClean="0"/>
-              <a:t>12/18/2020</a:t>
+              <a:t>12/23/2020</a:t>
             </a:fld>
             <a:endParaRPr lang="en-US"/>
           </a:p>
@@ -8718,7 +8718,7 @@
           <a:p>
             <a:fld id="{0F2C0E15-8C17-4EC4-9886-AB5369ABED37}" type="datetimeFigureOut">
               <a:rPr lang="en-US" smtClean="0"/>
-              <a:t>12/18/2020</a:t>
+              <a:t>12/23/2020</a:t>
             </a:fld>
             <a:endParaRPr lang="en-US"/>
           </a:p>
@@ -9029,7 +9029,7 @@
           <a:p>
             <a:fld id="{0F2C0E15-8C17-4EC4-9886-AB5369ABED37}" type="datetimeFigureOut">
               <a:rPr lang="en-US" smtClean="0"/>
-              <a:t>12/18/2020</a:t>
+              <a:t>12/23/2020</a:t>
             </a:fld>
             <a:endParaRPr lang="en-US"/>
           </a:p>
@@ -9317,7 +9317,7 @@
           <a:p>
             <a:fld id="{0F2C0E15-8C17-4EC4-9886-AB5369ABED37}" type="datetimeFigureOut">
               <a:rPr lang="en-US" smtClean="0"/>
-              <a:t>12/18/2020</a:t>
+              <a:t>12/23/2020</a:t>
             </a:fld>
             <a:endParaRPr lang="en-US"/>
           </a:p>
@@ -9558,7 +9558,7 @@
           <a:p>
             <a:fld id="{0F2C0E15-8C17-4EC4-9886-AB5369ABED37}" type="datetimeFigureOut">
               <a:rPr lang="en-US" smtClean="0"/>
-              <a:t>12/18/2020</a:t>
+              <a:t>12/23/2020</a:t>
             </a:fld>
             <a:endParaRPr lang="en-US"/>
           </a:p>
@@ -10036,6 +10036,69 @@
             <a:r>
               <a:rPr lang="en-US" dirty="0"/>
               <a:t>Faisal Waris, Data Scientist </a:t>
+            </a:r>
+          </a:p>
+        </p:txBody>
+      </p:sp>
+      <p:sp>
+        <p:nvSpPr>
+          <p:cNvPr id="4" name="Rectangle 3">
+            <a:extLst>
+              <a:ext uri="{FF2B5EF4-FFF2-40B4-BE49-F238E27FC236}">
+                <a16:creationId xmlns:a16="http://schemas.microsoft.com/office/drawing/2014/main" id="{5300902F-9F19-4DA6-8953-55D03A9ECD52}"/>
+              </a:ext>
+            </a:extLst>
+          </p:cNvPr>
+          <p:cNvSpPr/>
+          <p:nvPr/>
+        </p:nvSpPr>
+        <p:spPr>
+          <a:xfrm rot="20693979">
+            <a:off x="9933052" y="5533426"/>
+            <a:ext cx="2291499" cy="1323734"/>
+          </a:xfrm>
+          <a:prstGeom prst="rect">
+            <a:avLst/>
+          </a:prstGeom>
+          <a:noFill/>
+        </p:spPr>
+        <p:txBody>
+          <a:bodyPr wrap="square" lIns="91440" tIns="45720" rIns="91440" bIns="45720">
+            <a:spAutoFit/>
+          </a:bodyPr>
+          <a:lstStyle/>
+          <a:p>
+            <a:pPr algn="ctr"/>
+            <a:r>
+              <a:rPr lang="en-US" sz="8000" b="1" dirty="0">
+                <a:ln w="12700">
+                  <a:solidFill>
+                    <a:schemeClr val="tx2">
+                      <a:lumMod val="75000"/>
+                    </a:schemeClr>
+                  </a:solidFill>
+                  <a:prstDash val="solid"/>
+                </a:ln>
+                <a:pattFill prst="dkUpDiag">
+                  <a:fgClr>
+                    <a:schemeClr val="tx2"/>
+                  </a:fgClr>
+                  <a:bgClr>
+                    <a:schemeClr val="tx2">
+                      <a:lumMod val="20000"/>
+                      <a:lumOff val="80000"/>
+                    </a:schemeClr>
+                  </a:bgClr>
+                </a:pattFill>
+                <a:effectLst>
+                  <a:outerShdw blurRad="60007" dist="310007" dir="7680000" sy="30000" kx="1300200" algn="ctr" rotWithShape="0">
+                    <a:prstClr val="black">
+                      <a:alpha val="32000"/>
+                    </a:prstClr>
+                  </a:outerShdw>
+                </a:effectLst>
+              </a:rPr>
+              <a:t>DS#</a:t>
             </a:r>
           </a:p>
         </p:txBody>
@@ -11046,33 +11109,79 @@
           </a:p>
         </p:txBody>
       </p:sp>
+      <p:sp>
+        <p:nvSpPr>
+          <p:cNvPr id="11" name="TextBox 10">
+            <a:extLst>
+              <a:ext uri="{FF2B5EF4-FFF2-40B4-BE49-F238E27FC236}">
+                <a16:creationId xmlns:a16="http://schemas.microsoft.com/office/drawing/2014/main" id="{4805A0D3-C061-4D7C-8FFE-CC11D7128DED}"/>
+              </a:ext>
+            </a:extLst>
+          </p:cNvPr>
+          <p:cNvSpPr txBox="1"/>
+          <p:nvPr/>
+        </p:nvSpPr>
+        <p:spPr>
+          <a:xfrm>
+            <a:off x="9355423" y="535001"/>
+            <a:ext cx="2432461" cy="369332"/>
+          </a:xfrm>
+          <a:prstGeom prst="rect">
+            <a:avLst/>
+          </a:prstGeom>
+        </p:spPr>
+        <p:style>
+          <a:lnRef idx="2">
+            <a:schemeClr val="accent4">
+              <a:shade val="50000"/>
+            </a:schemeClr>
+          </a:lnRef>
+          <a:fillRef idx="1">
+            <a:schemeClr val="accent4"/>
+          </a:fillRef>
+          <a:effectRef idx="0">
+            <a:schemeClr val="accent4"/>
+          </a:effectRef>
+          <a:fontRef idx="minor">
+            <a:schemeClr val="lt1"/>
+          </a:fontRef>
+        </p:style>
+        <p:txBody>
+          <a:bodyPr wrap="none" rtlCol="0">
+            <a:spAutoFit/>
+          </a:bodyPr>
+          <a:lstStyle/>
+          <a:p>
+            <a:r>
+              <a:rPr lang="en-US" dirty="0"/>
+              <a:t>Per-feature Importance </a:t>
+            </a:r>
+          </a:p>
+        </p:txBody>
+      </p:sp>
       <p:cxnSp>
         <p:nvCxnSpPr>
-          <p:cNvPr id="15" name="Straight Connector 14">
+          <p:cNvPr id="13" name="Straight Connector 12">
             <a:extLst>
               <a:ext uri="{FF2B5EF4-FFF2-40B4-BE49-F238E27FC236}">
-                <a16:creationId xmlns:a16="http://schemas.microsoft.com/office/drawing/2014/main" id="{21E87494-FDC7-4A21-9087-F49BA9946C6B}"/>
+                <a16:creationId xmlns:a16="http://schemas.microsoft.com/office/drawing/2014/main" id="{95F81100-6DA0-49D7-BCDC-6029AEC90C21}"/>
               </a:ext>
             </a:extLst>
           </p:cNvPr>
           <p:cNvCxnSpPr>
             <a:cxnSpLocks/>
-            <a:stCxn id="10" idx="3"/>
-            <a:endCxn id="14" idx="0"/>
           </p:cNvCxnSpPr>
           <p:nvPr/>
         </p:nvCxnSpPr>
         <p:spPr>
-          <a:xfrm>
-            <a:off x="8538275" y="761441"/>
-            <a:ext cx="493184" cy="982953"/>
+          <a:xfrm flipH="1">
+            <a:off x="9033200" y="789188"/>
+            <a:ext cx="323556" cy="982953"/>
           </a:xfrm>
           <a:prstGeom prst="line">
             <a:avLst/>
           </a:prstGeom>
-          <a:ln w="76200">
-            <a:prstDash val="sysDot"/>
-          </a:ln>
+          <a:ln w="76200"/>
         </p:spPr>
         <p:style>
           <a:lnRef idx="3">
@@ -11357,7 +11466,7 @@
                             </p:stCondLst>
                             <p:childTnLst>
                               <p:par>
-                                <p:cTn id="19" presetID="2" presetClass="entr" presetSubtype="4" fill="hold" nodeType="clickEffect">
+                                <p:cTn id="19" presetID="1" presetClass="entr" presetSubtype="0" fill="hold" grpId="0" nodeType="clickEffect">
                                   <p:stCondLst>
                                     <p:cond delay="0"/>
                                   </p:stCondLst>
@@ -11365,79 +11474,6 @@
                                     <p:set>
                                       <p:cBhvr>
                                         <p:cTn id="20" dur="1" fill="hold">
-                                          <p:stCondLst>
-                                            <p:cond delay="0"/>
-                                          </p:stCondLst>
-                                        </p:cTn>
-                                        <p:tgtEl>
-                                          <p:spTgt spid="15"/>
-                                        </p:tgtEl>
-                                        <p:attrNameLst>
-                                          <p:attrName>style.visibility</p:attrName>
-                                        </p:attrNameLst>
-                                      </p:cBhvr>
-                                      <p:to>
-                                        <p:strVal val="visible"/>
-                                      </p:to>
-                                    </p:set>
-                                    <p:anim calcmode="lin" valueType="num">
-                                      <p:cBhvr additive="base">
-                                        <p:cTn id="21" dur="500" fill="hold"/>
-                                        <p:tgtEl>
-                                          <p:spTgt spid="15"/>
-                                        </p:tgtEl>
-                                        <p:attrNameLst>
-                                          <p:attrName>ppt_x</p:attrName>
-                                        </p:attrNameLst>
-                                      </p:cBhvr>
-                                      <p:tavLst>
-                                        <p:tav tm="0">
-                                          <p:val>
-                                            <p:strVal val="#ppt_x"/>
-                                          </p:val>
-                                        </p:tav>
-                                        <p:tav tm="100000">
-                                          <p:val>
-                                            <p:strVal val="#ppt_x"/>
-                                          </p:val>
-                                        </p:tav>
-                                      </p:tavLst>
-                                    </p:anim>
-                                    <p:anim calcmode="lin" valueType="num">
-                                      <p:cBhvr additive="base">
-                                        <p:cTn id="22" dur="500" fill="hold"/>
-                                        <p:tgtEl>
-                                          <p:spTgt spid="15"/>
-                                        </p:tgtEl>
-                                        <p:attrNameLst>
-                                          <p:attrName>ppt_y</p:attrName>
-                                        </p:attrNameLst>
-                                      </p:cBhvr>
-                                      <p:tavLst>
-                                        <p:tav tm="0">
-                                          <p:val>
-                                            <p:strVal val="1+#ppt_h/2"/>
-                                          </p:val>
-                                        </p:tav>
-                                        <p:tav tm="100000">
-                                          <p:val>
-                                            <p:strVal val="#ppt_y"/>
-                                          </p:val>
-                                        </p:tav>
-                                      </p:tavLst>
-                                    </p:anim>
-                                  </p:childTnLst>
-                                </p:cTn>
-                              </p:par>
-                              <p:par>
-                                <p:cTn id="23" presetID="2" presetClass="entr" presetSubtype="4" fill="hold" grpId="0" nodeType="withEffect">
-                                  <p:stCondLst>
-                                    <p:cond delay="0"/>
-                                  </p:stCondLst>
-                                  <p:childTnLst>
-                                    <p:set>
-                                      <p:cBhvr>
-                                        <p:cTn id="24" dur="1" fill="hold">
                                           <p:stCondLst>
                                             <p:cond delay="0"/>
                                           </p:stCondLst>
@@ -11453,52 +11489,60 @@
                                         <p:strVal val="visible"/>
                                       </p:to>
                                     </p:set>
-                                    <p:anim calcmode="lin" valueType="num">
-                                      <p:cBhvr additive="base">
-                                        <p:cTn id="25" dur="500" fill="hold"/>
+                                  </p:childTnLst>
+                                </p:cTn>
+                              </p:par>
+                              <p:par>
+                                <p:cTn id="21" presetID="1" presetClass="entr" presetSubtype="0" fill="hold" grpId="0" nodeType="withEffect">
+                                  <p:stCondLst>
+                                    <p:cond delay="0"/>
+                                  </p:stCondLst>
+                                  <p:childTnLst>
+                                    <p:set>
+                                      <p:cBhvr>
+                                        <p:cTn id="22" dur="1" fill="hold">
+                                          <p:stCondLst>
+                                            <p:cond delay="0"/>
+                                          </p:stCondLst>
+                                        </p:cTn>
                                         <p:tgtEl>
-                                          <p:spTgt spid="14"/>
+                                          <p:spTgt spid="11"/>
                                         </p:tgtEl>
                                         <p:attrNameLst>
-                                          <p:attrName>ppt_x</p:attrName>
+                                          <p:attrName>style.visibility</p:attrName>
                                         </p:attrNameLst>
                                       </p:cBhvr>
-                                      <p:tavLst>
-                                        <p:tav tm="0">
-                                          <p:val>
-                                            <p:strVal val="#ppt_x"/>
-                                          </p:val>
-                                        </p:tav>
-                                        <p:tav tm="100000">
-                                          <p:val>
-                                            <p:strVal val="#ppt_x"/>
-                                          </p:val>
-                                        </p:tav>
-                                      </p:tavLst>
-                                    </p:anim>
-                                    <p:anim calcmode="lin" valueType="num">
-                                      <p:cBhvr additive="base">
-                                        <p:cTn id="26" dur="500" fill="hold"/>
+                                      <p:to>
+                                        <p:strVal val="visible"/>
+                                      </p:to>
+                                    </p:set>
+                                  </p:childTnLst>
+                                </p:cTn>
+                              </p:par>
+                              <p:par>
+                                <p:cTn id="23" presetID="1" presetClass="entr" presetSubtype="0" fill="hold" nodeType="withEffect">
+                                  <p:stCondLst>
+                                    <p:cond delay="0"/>
+                                  </p:stCondLst>
+                                  <p:childTnLst>
+                                    <p:set>
+                                      <p:cBhvr>
+                                        <p:cTn id="24" dur="1" fill="hold">
+                                          <p:stCondLst>
+                                            <p:cond delay="0"/>
+                                          </p:stCondLst>
+                                        </p:cTn>
                                         <p:tgtEl>
-                                          <p:spTgt spid="14"/>
+                                          <p:spTgt spid="13"/>
                                         </p:tgtEl>
                                         <p:attrNameLst>
-                                          <p:attrName>ppt_y</p:attrName>
+                                          <p:attrName>style.visibility</p:attrName>
                                         </p:attrNameLst>
                                       </p:cBhvr>
-                                      <p:tavLst>
-                                        <p:tav tm="0">
-                                          <p:val>
-                                            <p:strVal val="1+#ppt_h/2"/>
-                                          </p:val>
-                                        </p:tav>
-                                        <p:tav tm="100000">
-                                          <p:val>
-                                            <p:strVal val="#ppt_y"/>
-                                          </p:val>
-                                        </p:tav>
-                                      </p:tavLst>
-                                    </p:anim>
+                                      <p:to>
+                                        <p:strVal val="visible"/>
+                                      </p:to>
+                                    </p:set>
                                   </p:childTnLst>
                                 </p:cTn>
                               </p:par>
@@ -11533,6 +11577,7 @@
       <p:bldP spid="9" grpId="0" animBg="1"/>
       <p:bldP spid="10" grpId="0" animBg="1"/>
       <p:bldP spid="14" grpId="0" animBg="1"/>
+      <p:bldP spid="11" grpId="0" animBg="1"/>
     </p:bldLst>
   </p:timing>
 </p:sld>
